--- a/객체지향실습/UI.pptx
+++ b/객체지향실습/UI.pptx
@@ -2,7 +2,7 @@
 <file path=ppt/presentation.xml><?xml version="1.0" encoding="utf-8"?>
 <p:presentation xmlns:r="http://schemas.openxmlformats.org/officeDocument/2006/relationships" xmlns:c="http://schemas.openxmlformats.org/drawingml/2006/chart" xmlns:a="http://schemas.openxmlformats.org/drawingml/2006/main" xmlns:dgm="http://schemas.openxmlformats.org/drawingml/2006/diagram" xmlns:dsp="http://schemas.microsoft.com/office/drawing/2008/diagram" xmlns:p="http://schemas.openxmlformats.org/presentationml/2006/main" strictFirstAndLastChars="0" autoCompressPictures="0">
   <p:sldMasterIdLst>
-    <p:sldMasterId id="2147483663" r:id="rId1"/>
+    <p:sldMasterId id="2147483662" r:id="rId1"/>
   </p:sldMasterIdLst>
   <p:notesMasterIdLst>
     <p:notesMasterId r:id="rId2"/>
@@ -2065,7 +2065,7 @@
             </a:pPr>
             <a:r>
               <a:rPr lang="ko"/>
-              <a:t>다음은 8조의 구성원입니다. 팀장 박상범, 팀원 최태호, 강예림, 이찬희로 팀구성이 되어있고 각각 역할 분담은 보시는 바와 같습니다.</a:t>
+              <a:t>다음은 8조의 구성원입니다. 팀장 박상범, 팀원 최태호,이찬희로 팀구성이 되어있고 각각 역할 분담은 보시는 바와 같습니다.</a:t>
             </a:r>
             <a:endParaRPr lang="ko"/>
           </a:p>
@@ -20797,11 +20797,11 @@
 </file>
 
 <file path=ppt/slides/slide4.xml><?xml version="1.0" encoding="utf-8"?>
-<p:sld xmlns:a="http://schemas.openxmlformats.org/drawingml/2006/main" xmlns:r="http://schemas.openxmlformats.org/officeDocument/2006/relationships" xmlns:mc="http://schemas.openxmlformats.org/markup-compatibility/2006" xmlns:mv="urn:schemas-microsoft-com:mac:vml" xmlns:p="http://schemas.openxmlformats.org/presentationml/2006/main" xmlns:c="http://schemas.openxmlformats.org/drawingml/2006/chart" xmlns:dgm="http://schemas.openxmlformats.org/drawingml/2006/diagram" xmlns:o="urn:schemas-microsoft-com:office:office" xmlns:v="urn:schemas-microsoft-com:vml" xmlns:pvml="urn:schemas-microsoft-com:office:powerpoint" xmlns:com="http://schemas.openxmlformats.org/drawingml/2006/compatibility" xmlns:p14="http://schemas.microsoft.com/office/powerpoint/2010/main" xmlns:p15="http://schemas.microsoft.com/office/powerpoint/2012/main" xmlns:ahyp="http://schemas.microsoft.com/office/drawing/2018/hyperlinkcolor">
+<p:sld xmlns:r="http://schemas.openxmlformats.org/officeDocument/2006/relationships" xmlns:c="http://schemas.openxmlformats.org/drawingml/2006/chart" xmlns:a="http://schemas.openxmlformats.org/drawingml/2006/main" xmlns:dgm="http://schemas.openxmlformats.org/drawingml/2006/diagram" xmlns:dsp="http://schemas.microsoft.com/office/drawing/2008/diagram" xmlns:p="http://schemas.openxmlformats.org/presentationml/2006/main">
   <p:cSld>
     <p:spTree>
       <p:nvGrpSpPr>
-        <p:cNvPr id="107" name="Shape 107"/>
+        <p:cNvPr id="1" name=""/>
         <p:cNvGrpSpPr/>
         <p:nvPr/>
       </p:nvGrpSpPr>
@@ -20828,14 +20828,14 @@
             <a:avLst/>
           </a:prstGeom>
           <a:noFill/>
-          <a:ln cap="flat" cmpd="sng" w="9525">
+          <a:ln w="9525" cap="flat" cmpd="sng">
             <a:solidFill>
-              <a:srgbClr val="7F7F7F"/>
+              <a:srgbClr val="7f7f7f"/>
             </a:solidFill>
             <a:prstDash val="solid"/>
-            <a:miter lim="800000"/>
-            <a:headEnd len="sm" w="sm" type="none"/>
-            <a:tailEnd len="sm" w="sm" type="none"/>
+            <a:miter/>
+            <a:headEnd w="sm" len="sm"/>
+            <a:tailEnd w="sm" len="sm"/>
           </a:ln>
         </p:spPr>
       </p:cxnSp>
@@ -20859,31 +20859,32 @@
           </a:ln>
         </p:spPr>
         <p:txBody>
-          <a:bodyPr anchorCtr="0" anchor="t" bIns="34275" lIns="68575" spcFirstLastPara="1" rIns="68575" wrap="square" tIns="34275">
+          <a:bodyPr wrap="square" lIns="68575" tIns="34275" rIns="68575" bIns="34275" anchor="t" anchorCtr="0">
             <a:noAutofit/>
           </a:bodyPr>
           <a:lstStyle/>
           <a:p>
-            <a:pPr indent="0" lvl="0" marL="0" marR="0" rtl="0" algn="ctr">
-              <a:spcBef>
-                <a:spcPts val="0"/>
-              </a:spcBef>
-              <a:spcAft>
-                <a:spcPts val="0"/>
-              </a:spcAft>
-              <a:buNone/>
-            </a:pPr>
-            <a:r>
-              <a:rPr b="1" lang="ko" sz="1700">
+            <a:pPr marL="0" marR="0" lvl="0" indent="0" algn="ctr" rtl="0">
+              <a:spcBef>
+                <a:spcPts val="0"/>
+              </a:spcBef>
+              <a:spcAft>
+                <a:spcPts val="0"/>
+              </a:spcAft>
+              <a:buNone/>
+              <a:defRPr/>
+            </a:pPr>
+            <a:r>
+              <a:rPr lang="ko" sz="1700" b="1">
                 <a:solidFill>
-                  <a:srgbClr val="00002F"/>
+                  <a:srgbClr val="00002f"/>
                 </a:solidFill>
               </a:rPr>
               <a:t>프로그램 개요</a:t>
             </a:r>
-            <a:endParaRPr b="1" sz="1500">
+            <a:endParaRPr sz="1500" b="1">
               <a:solidFill>
-                <a:srgbClr val="00002F"/>
+                <a:srgbClr val="00002f"/>
               </a:solidFill>
             </a:endParaRPr>
           </a:p>
@@ -20909,31 +20910,32 @@
           </a:ln>
         </p:spPr>
         <p:txBody>
-          <a:bodyPr anchorCtr="0" anchor="t" bIns="34275" lIns="68575" spcFirstLastPara="1" rIns="68575" wrap="square" tIns="34275">
+          <a:bodyPr wrap="square" lIns="68575" tIns="34275" rIns="68575" bIns="34275" anchor="t" anchorCtr="0">
             <a:noAutofit/>
           </a:bodyPr>
           <a:lstStyle/>
           <a:p>
-            <a:pPr indent="0" lvl="0" marL="0" marR="0" rtl="0" algn="ctr">
-              <a:spcBef>
-                <a:spcPts val="0"/>
-              </a:spcBef>
-              <a:spcAft>
-                <a:spcPts val="0"/>
-              </a:spcAft>
-              <a:buNone/>
-            </a:pPr>
-            <a:r>
-              <a:rPr b="1" lang="ko" sz="1800">
+            <a:pPr marL="0" marR="0" lvl="0" indent="0" algn="ctr" rtl="0">
+              <a:spcBef>
+                <a:spcPts val="0"/>
+              </a:spcBef>
+              <a:spcAft>
+                <a:spcPts val="0"/>
+              </a:spcAft>
+              <a:buNone/>
+              <a:defRPr/>
+            </a:pPr>
+            <a:r>
+              <a:rPr lang="ko" sz="1800" b="1">
                 <a:solidFill>
-                  <a:srgbClr val="00002F"/>
+                  <a:srgbClr val="00002f"/>
                 </a:solidFill>
               </a:rPr>
               <a:t>01</a:t>
             </a:r>
-            <a:endParaRPr b="1" sz="1800">
+            <a:endParaRPr sz="1800" b="1">
               <a:solidFill>
-                <a:srgbClr val="00002F"/>
+                <a:srgbClr val="00002f"/>
               </a:solidFill>
             </a:endParaRPr>
           </a:p>
@@ -20954,17 +20956,17 @@
             <a:avLst/>
           </a:prstGeom>
           <a:noFill/>
-          <a:ln cap="rnd" cmpd="sng" w="44450">
+          <a:ln w="44450" cap="rnd" cmpd="sng">
             <a:solidFill>
-              <a:srgbClr val="8DBABD"/>
+              <a:srgbClr val="8dbabd"/>
             </a:solidFill>
             <a:prstDash val="solid"/>
-            <a:miter lim="800000"/>
-            <a:headEnd len="sm" w="sm" type="none"/>
-            <a:tailEnd len="sm" w="sm" type="none"/>
+            <a:miter/>
+            <a:headEnd w="sm" len="sm"/>
+            <a:tailEnd w="sm" len="sm"/>
           </a:ln>
           <a:effectLst>
-            <a:outerShdw blurRad="50800" rotWithShape="0" algn="t" dir="5400000" dist="38100">
+            <a:outerShdw blurRad="50800" dist="38100" dir="5400000" algn="t" rotWithShape="0">
               <a:srgbClr val="000000">
                 <a:alpha val="40000"/>
               </a:srgbClr>
@@ -20987,17 +20989,17 @@
             <a:avLst/>
           </a:prstGeom>
           <a:noFill/>
-          <a:ln cap="rnd" cmpd="sng" w="44450">
+          <a:ln w="44450" cap="rnd" cmpd="sng">
             <a:solidFill>
-              <a:srgbClr val="D0CECE"/>
+              <a:srgbClr val="d0cece"/>
             </a:solidFill>
             <a:prstDash val="solid"/>
-            <a:miter lim="800000"/>
-            <a:headEnd len="sm" w="sm" type="none"/>
-            <a:tailEnd len="sm" w="sm" type="none"/>
+            <a:miter/>
+            <a:headEnd w="sm" len="sm"/>
+            <a:tailEnd w="sm" len="sm"/>
           </a:ln>
           <a:effectLst>
-            <a:outerShdw blurRad="50800" rotWithShape="0" algn="t" dir="5400000" dist="38100">
+            <a:outerShdw blurRad="50800" dist="38100" dir="5400000" algn="t" rotWithShape="0">
               <a:srgbClr val="000000">
                 <a:alpha val="40000"/>
               </a:srgbClr>
@@ -21020,17 +21022,17 @@
             <a:avLst/>
           </a:prstGeom>
           <a:noFill/>
-          <a:ln cap="rnd" cmpd="sng" w="44450">
+          <a:ln w="44450" cap="rnd" cmpd="sng">
             <a:solidFill>
-              <a:srgbClr val="D0CECE"/>
+              <a:srgbClr val="d0cece"/>
             </a:solidFill>
             <a:prstDash val="solid"/>
-            <a:miter lim="800000"/>
-            <a:headEnd len="sm" w="sm" type="none"/>
-            <a:tailEnd len="sm" w="sm" type="none"/>
+            <a:miter/>
+            <a:headEnd w="sm" len="sm"/>
+            <a:tailEnd w="sm" len="sm"/>
           </a:ln>
           <a:effectLst>
-            <a:outerShdw blurRad="50800" rotWithShape="0" algn="t" dir="5400000" dist="38100">
+            <a:outerShdw blurRad="50800" dist="38100" dir="5400000" algn="t" rotWithShape="0">
               <a:srgbClr val="000000">
                 <a:alpha val="40000"/>
               </a:srgbClr>
@@ -21053,17 +21055,17 @@
             <a:avLst/>
           </a:prstGeom>
           <a:noFill/>
-          <a:ln cap="rnd" cmpd="sng" w="44450">
+          <a:ln w="44450" cap="rnd" cmpd="sng">
             <a:solidFill>
-              <a:srgbClr val="D0CECE"/>
+              <a:srgbClr val="d0cece"/>
             </a:solidFill>
             <a:prstDash val="solid"/>
-            <a:miter lim="800000"/>
-            <a:headEnd len="sm" w="sm" type="none"/>
-            <a:tailEnd len="sm" w="sm" type="none"/>
+            <a:miter/>
+            <a:headEnd w="sm" len="sm"/>
+            <a:tailEnd w="sm" len="sm"/>
           </a:ln>
           <a:effectLst>
-            <a:outerShdw blurRad="50800" rotWithShape="0" algn="t" dir="5400000" dist="38100">
+            <a:outerShdw blurRad="50800" dist="38100" dir="5400000" algn="t" rotWithShape="0">
               <a:srgbClr val="000000">
                 <a:alpha val="40000"/>
               </a:srgbClr>
@@ -21093,24 +21095,25 @@
           </a:ln>
         </p:spPr>
         <p:txBody>
-          <a:bodyPr anchorCtr="0" anchor="ctr" bIns="45700" lIns="91425" spcFirstLastPara="1" rIns="91425" wrap="square" tIns="45700">
+          <a:bodyPr wrap="square" lIns="91425" tIns="45700" rIns="91425" bIns="45700" anchor="ctr" anchorCtr="0">
             <a:noAutofit/>
           </a:bodyPr>
           <a:lstStyle/>
           <a:p>
-            <a:pPr indent="0" lvl="0" marL="0" marR="0" rtl="0" algn="ctr">
-              <a:spcBef>
-                <a:spcPts val="0"/>
-              </a:spcBef>
-              <a:spcAft>
-                <a:spcPts val="0"/>
-              </a:spcAft>
-              <a:buNone/>
-            </a:pPr>
-            <a:r>
-              <a:rPr b="1" lang="ko" sz="3000">
+            <a:pPr marL="0" marR="0" lvl="0" indent="0" algn="ctr" rtl="0">
+              <a:spcBef>
+                <a:spcPts val="0"/>
+              </a:spcBef>
+              <a:spcAft>
+                <a:spcPts val="0"/>
+              </a:spcAft>
+              <a:buNone/>
+              <a:defRPr/>
+            </a:pPr>
+            <a:r>
+              <a:rPr lang="ko" sz="3000" b="1">
                 <a:solidFill>
-                  <a:srgbClr val="FFFFFF"/>
+                  <a:srgbClr val="ffffff"/>
                 </a:solidFill>
                 <a:latin typeface="Calibri"/>
                 <a:ea typeface="Calibri"/>
@@ -21119,9 +21122,9 @@
               </a:rPr>
               <a:t>HOW</a:t>
             </a:r>
-            <a:endParaRPr b="1" sz="3000">
+            <a:endParaRPr sz="3000" b="1">
               <a:solidFill>
-                <a:srgbClr val="FFFFFF"/>
+                <a:srgbClr val="ffffff"/>
               </a:solidFill>
               <a:latin typeface="Calibri"/>
               <a:ea typeface="Calibri"/>
@@ -21146,31 +21149,32 @@
             <a:avLst/>
           </a:prstGeom>
           <a:solidFill>
-            <a:srgbClr val="FBBE75"/>
+            <a:srgbClr val="fbbe75"/>
           </a:solidFill>
           <a:ln>
             <a:noFill/>
           </a:ln>
         </p:spPr>
         <p:txBody>
-          <a:bodyPr anchorCtr="0" anchor="ctr" bIns="45700" lIns="91425" spcFirstLastPara="1" rIns="91425" wrap="square" tIns="45700">
+          <a:bodyPr wrap="square" lIns="91425" tIns="45700" rIns="91425" bIns="45700" anchor="ctr" anchorCtr="0">
             <a:noAutofit/>
           </a:bodyPr>
           <a:lstStyle/>
           <a:p>
-            <a:pPr indent="0" lvl="0" marL="0" marR="0" rtl="0" algn="ctr">
-              <a:spcBef>
-                <a:spcPts val="0"/>
-              </a:spcBef>
-              <a:spcAft>
-                <a:spcPts val="0"/>
-              </a:spcAft>
-              <a:buNone/>
-            </a:pPr>
-            <a:r>
-              <a:rPr b="1" lang="ko" sz="2500">
+            <a:pPr marL="0" marR="0" lvl="0" indent="0" algn="ctr" rtl="0">
+              <a:spcBef>
+                <a:spcPts val="0"/>
+              </a:spcBef>
+              <a:spcAft>
+                <a:spcPts val="0"/>
+              </a:spcAft>
+              <a:buNone/>
+              <a:defRPr/>
+            </a:pPr>
+            <a:r>
+              <a:rPr lang="ko" sz="2500" b="1">
                 <a:solidFill>
-                  <a:srgbClr val="FFFFFF"/>
+                  <a:srgbClr val="ffffff"/>
                 </a:solidFill>
                 <a:latin typeface="Calibri"/>
                 <a:ea typeface="Calibri"/>
@@ -21179,9 +21183,9 @@
               </a:rPr>
               <a:t>WHAT</a:t>
             </a:r>
-            <a:endParaRPr b="1" sz="2500">
+            <a:endParaRPr sz="2500" b="1">
               <a:solidFill>
-                <a:srgbClr val="FFFFFF"/>
+                <a:srgbClr val="ffffff"/>
               </a:solidFill>
               <a:latin typeface="Calibri"/>
               <a:ea typeface="Calibri"/>
@@ -21206,31 +21210,32 @@
             <a:avLst/>
           </a:prstGeom>
           <a:solidFill>
-            <a:srgbClr val="FFCA08"/>
+            <a:srgbClr val="ffca08"/>
           </a:solidFill>
           <a:ln>
             <a:noFill/>
           </a:ln>
         </p:spPr>
         <p:txBody>
-          <a:bodyPr anchorCtr="0" anchor="ctr" bIns="45700" lIns="91425" spcFirstLastPara="1" rIns="91425" wrap="square" tIns="45700">
+          <a:bodyPr wrap="square" lIns="91425" tIns="45700" rIns="91425" bIns="45700" anchor="ctr" anchorCtr="0">
             <a:noAutofit/>
           </a:bodyPr>
           <a:lstStyle/>
           <a:p>
-            <a:pPr indent="0" lvl="0" marL="0" marR="0" rtl="0" algn="ctr">
-              <a:spcBef>
-                <a:spcPts val="0"/>
-              </a:spcBef>
-              <a:spcAft>
-                <a:spcPts val="0"/>
-              </a:spcAft>
-              <a:buNone/>
-            </a:pPr>
-            <a:r>
-              <a:rPr b="1" lang="ko" sz="3000">
+            <a:pPr marL="0" marR="0" lvl="0" indent="0" algn="ctr" rtl="0">
+              <a:spcBef>
+                <a:spcPts val="0"/>
+              </a:spcBef>
+              <a:spcAft>
+                <a:spcPts val="0"/>
+              </a:spcAft>
+              <a:buNone/>
+              <a:defRPr/>
+            </a:pPr>
+            <a:r>
+              <a:rPr lang="ko" sz="3000" b="1">
                 <a:solidFill>
-                  <a:srgbClr val="FFFFFF"/>
+                  <a:srgbClr val="ffffff"/>
                 </a:solidFill>
                 <a:latin typeface="Calibri"/>
                 <a:ea typeface="Calibri"/>
@@ -21239,9 +21244,9 @@
               </a:rPr>
               <a:t>WHO</a:t>
             </a:r>
-            <a:endParaRPr b="1" sz="3000">
+            <a:endParaRPr sz="3000" b="1">
               <a:solidFill>
-                <a:srgbClr val="FFFFFF"/>
+                <a:srgbClr val="ffffff"/>
               </a:solidFill>
               <a:latin typeface="Calibri"/>
               <a:ea typeface="Calibri"/>
@@ -21256,6 +21261,14 @@
   <p:clrMapOvr>
     <a:masterClrMapping/>
   </p:clrMapOvr>
+  <mc:AlternateContent xmlns:mc="http://schemas.openxmlformats.org/markup-compatibility/2006">
+    <mc:Choice xmlns:p14="http://schemas.microsoft.com/office/powerpoint/2010/main" Requires="p14">
+      <p:transition xmlns:mc="http://schemas.openxmlformats.org/markup-compatibility/2006" xmlns:p14="http://schemas.microsoft.com/office/powerpoint/2010/main" mc:Ignorable="p14" p14:dur="500"/>
+    </mc:Choice>
+    <mc:Fallback>
+      <p:transition/>
+    </mc:Fallback>
+  </mc:AlternateContent>
 </p:sld>
 </file>
 
